--- a/팀프로젝트 관련 파일들/3팀플젝디자인초안3.pptx
+++ b/팀프로젝트 관련 파일들/3팀플젝디자인초안3.pptx
@@ -225,7 +225,7 @@
           <a:p>
             <a:fld id="{6510EACE-86C8-44B7-9BEF-13A1B14AFF68}" type="datetimeFigureOut">
               <a:rPr lang="ko-KR" altLang="en-US" smtClean="0"/>
-              <a:t>2023-07-20</a:t>
+              <a:t>2023-07-28</a:t>
             </a:fld>
             <a:endParaRPr lang="ko-KR" altLang="en-US"/>
           </a:p>
@@ -639,7 +639,7 @@
           <a:p>
             <a:fld id="{D6F8B818-9346-45B6-8F4A-207BAE186A2D}" type="datetimeFigureOut">
               <a:rPr lang="ko-KR" altLang="en-US" smtClean="0"/>
-              <a:t>2023-07-20</a:t>
+              <a:t>2023-07-28</a:t>
             </a:fld>
             <a:endParaRPr lang="ko-KR" altLang="en-US"/>
           </a:p>
@@ -837,7 +837,7 @@
           <a:p>
             <a:fld id="{D6F8B818-9346-45B6-8F4A-207BAE186A2D}" type="datetimeFigureOut">
               <a:rPr lang="ko-KR" altLang="en-US" smtClean="0"/>
-              <a:t>2023-07-20</a:t>
+              <a:t>2023-07-28</a:t>
             </a:fld>
             <a:endParaRPr lang="ko-KR" altLang="en-US"/>
           </a:p>
@@ -1045,7 +1045,7 @@
           <a:p>
             <a:fld id="{D6F8B818-9346-45B6-8F4A-207BAE186A2D}" type="datetimeFigureOut">
               <a:rPr lang="ko-KR" altLang="en-US" smtClean="0"/>
-              <a:t>2023-07-20</a:t>
+              <a:t>2023-07-28</a:t>
             </a:fld>
             <a:endParaRPr lang="ko-KR" altLang="en-US"/>
           </a:p>
@@ -1243,7 +1243,7 @@
           <a:p>
             <a:fld id="{D6F8B818-9346-45B6-8F4A-207BAE186A2D}" type="datetimeFigureOut">
               <a:rPr lang="ko-KR" altLang="en-US" smtClean="0"/>
-              <a:t>2023-07-20</a:t>
+              <a:t>2023-07-28</a:t>
             </a:fld>
             <a:endParaRPr lang="ko-KR" altLang="en-US"/>
           </a:p>
@@ -1518,7 +1518,7 @@
           <a:p>
             <a:fld id="{D6F8B818-9346-45B6-8F4A-207BAE186A2D}" type="datetimeFigureOut">
               <a:rPr lang="ko-KR" altLang="en-US" smtClean="0"/>
-              <a:t>2023-07-20</a:t>
+              <a:t>2023-07-28</a:t>
             </a:fld>
             <a:endParaRPr lang="ko-KR" altLang="en-US"/>
           </a:p>
@@ -1783,7 +1783,7 @@
           <a:p>
             <a:fld id="{D6F8B818-9346-45B6-8F4A-207BAE186A2D}" type="datetimeFigureOut">
               <a:rPr lang="ko-KR" altLang="en-US" smtClean="0"/>
-              <a:t>2023-07-20</a:t>
+              <a:t>2023-07-28</a:t>
             </a:fld>
             <a:endParaRPr lang="ko-KR" altLang="en-US"/>
           </a:p>
@@ -2195,7 +2195,7 @@
           <a:p>
             <a:fld id="{D6F8B818-9346-45B6-8F4A-207BAE186A2D}" type="datetimeFigureOut">
               <a:rPr lang="ko-KR" altLang="en-US" smtClean="0"/>
-              <a:t>2023-07-20</a:t>
+              <a:t>2023-07-28</a:t>
             </a:fld>
             <a:endParaRPr lang="ko-KR" altLang="en-US"/>
           </a:p>
@@ -2336,7 +2336,7 @@
           <a:p>
             <a:fld id="{D6F8B818-9346-45B6-8F4A-207BAE186A2D}" type="datetimeFigureOut">
               <a:rPr lang="ko-KR" altLang="en-US" smtClean="0"/>
-              <a:t>2023-07-20</a:t>
+              <a:t>2023-07-28</a:t>
             </a:fld>
             <a:endParaRPr lang="ko-KR" altLang="en-US"/>
           </a:p>
@@ -2449,7 +2449,7 @@
           <a:p>
             <a:fld id="{D6F8B818-9346-45B6-8F4A-207BAE186A2D}" type="datetimeFigureOut">
               <a:rPr lang="ko-KR" altLang="en-US" smtClean="0"/>
-              <a:t>2023-07-20</a:t>
+              <a:t>2023-07-28</a:t>
             </a:fld>
             <a:endParaRPr lang="ko-KR" altLang="en-US"/>
           </a:p>
@@ -2760,7 +2760,7 @@
           <a:p>
             <a:fld id="{D6F8B818-9346-45B6-8F4A-207BAE186A2D}" type="datetimeFigureOut">
               <a:rPr lang="ko-KR" altLang="en-US" smtClean="0"/>
-              <a:t>2023-07-20</a:t>
+              <a:t>2023-07-28</a:t>
             </a:fld>
             <a:endParaRPr lang="ko-KR" altLang="en-US"/>
           </a:p>
@@ -3048,7 +3048,7 @@
           <a:p>
             <a:fld id="{D6F8B818-9346-45B6-8F4A-207BAE186A2D}" type="datetimeFigureOut">
               <a:rPr lang="ko-KR" altLang="en-US" smtClean="0"/>
-              <a:t>2023-07-20</a:t>
+              <a:t>2023-07-28</a:t>
             </a:fld>
             <a:endParaRPr lang="ko-KR" altLang="en-US"/>
           </a:p>
@@ -3289,7 +3289,7 @@
           <a:p>
             <a:fld id="{D6F8B818-9346-45B6-8F4A-207BAE186A2D}" type="datetimeFigureOut">
               <a:rPr lang="ko-KR" altLang="en-US" smtClean="0"/>
-              <a:t>2023-07-20</a:t>
+              <a:t>2023-07-28</a:t>
             </a:fld>
             <a:endParaRPr lang="ko-KR" altLang="en-US"/>
           </a:p>
@@ -19251,11 +19251,15 @@
             </a:r>
             <a:r>
               <a:rPr lang="ko-KR" altLang="en-US" dirty="0"/>
-              <a:t>댓글  신고 내용  </a:t>
-            </a:r>
-            <a:r>
-              <a:rPr lang="en-US" altLang="ko-KR" dirty="0"/>
-              <a:t>| </a:t>
+              <a:t>댓글  신고 </a:t>
+            </a:r>
+            <a:r>
+              <a:rPr lang="ko-KR" altLang="en-US"/>
+              <a:t>내용  </a:t>
+            </a:r>
+            <a:r>
+              <a:rPr lang="en-US" altLang="ko-KR"/>
+              <a:t>|</a:t>
             </a:r>
             <a:r>
               <a:rPr lang="ko-KR" altLang="en-US" dirty="0"/>
@@ -19351,7 +19355,7 @@
         </p:nvSpPr>
         <p:spPr>
           <a:xfrm>
-            <a:off x="5459185" y="2423095"/>
+            <a:off x="5459184" y="2430330"/>
             <a:ext cx="1061357" cy="276999"/>
           </a:xfrm>
           <a:prstGeom prst="rect">
@@ -19386,7 +19390,7 @@
         </p:nvSpPr>
         <p:spPr>
           <a:xfrm>
-            <a:off x="7467598" y="2423095"/>
+            <a:off x="7235016" y="2417413"/>
             <a:ext cx="1061357" cy="276999"/>
           </a:xfrm>
           <a:prstGeom prst="rect">
@@ -19402,7 +19406,7 @@
           <a:p>
             <a:r>
               <a:rPr lang="ko-KR" altLang="en-US" sz="1200" dirty="0"/>
-              <a:t>신고 날짜</a:t>
+              <a:t>신고된 횟수</a:t>
             </a:r>
           </a:p>
         </p:txBody>
@@ -20093,10 +20097,9 @@
           <a:lstStyle/>
           <a:p>
             <a:r>
-              <a:rPr lang="ko-KR" altLang="en-US" sz="1200"/>
+              <a:rPr lang="ko-KR" altLang="en-US" sz="1200" dirty="0"/>
               <a:t>전화번호</a:t>
             </a:r>
-            <a:endParaRPr lang="ko-KR" altLang="en-US" sz="1200" dirty="0"/>
           </a:p>
         </p:txBody>
       </p:sp>
@@ -20114,8 +20117,8 @@
         </p:nvSpPr>
         <p:spPr>
           <a:xfrm>
-            <a:off x="8326207" y="4820801"/>
-            <a:ext cx="1061357" cy="276999"/>
+            <a:off x="8326208" y="4820801"/>
+            <a:ext cx="613686" cy="276999"/>
           </a:xfrm>
           <a:prstGeom prst="rect">
             <a:avLst/>
